--- a/docs/apresentacoes/Semi_final_pitch.pptx
+++ b/docs/apresentacoes/Semi_final_pitch.pptx
@@ -5310,10 +5310,10 @@
             </a:lnSpc>
           </a:pPr>
           <a:r>
-            <a:rPr lang="pt-PT" sz="1600"/>
+            <a:rPr lang="pt-PT" sz="1600" dirty="0"/>
             <a:t>Plataforma web/móvel </a:t>
           </a:r>
-          <a:endParaRPr lang="en-US" sz="1600"/>
+          <a:endParaRPr lang="en-US" sz="1600" dirty="0"/>
         </a:p>
       </dgm:t>
     </dgm:pt>
@@ -5357,10 +5357,10 @@
             </a:lnSpc>
           </a:pPr>
           <a:r>
-            <a:rPr lang="pt-PT" sz="1600"/>
+            <a:rPr lang="pt-PT" sz="1600" dirty="0"/>
             <a:t>Divulgação e procura de serviços</a:t>
           </a:r>
-          <a:endParaRPr lang="en-US" sz="1600"/>
+          <a:endParaRPr lang="en-US" sz="1600" dirty="0"/>
         </a:p>
       </dgm:t>
     </dgm:pt>
@@ -5455,18 +5455,18 @@
             </a:lnSpc>
           </a:pPr>
           <a:r>
-            <a:rPr lang="en-US" sz="1600" err="1"/>
+            <a:rPr lang="en-US" sz="1600" dirty="0" err="1"/>
             <a:t>Utilização</a:t>
           </a:r>
           <a:r>
-            <a:rPr lang="en-US" sz="1600"/>
+            <a:rPr lang="en-US" sz="1600" dirty="0"/>
             <a:t> </a:t>
           </a:r>
           <a:r>
-            <a:rPr lang="en-US" sz="1600" err="1"/>
+            <a:rPr lang="en-US" sz="1600" dirty="0" err="1"/>
             <a:t>gratuita</a:t>
           </a:r>
-          <a:endParaRPr lang="en-US" sz="1600"/>
+          <a:endParaRPr lang="en-US" sz="1600" dirty="0"/>
         </a:p>
       </dgm:t>
     </dgm:pt>
@@ -5498,7 +5498,7 @@
       </dgm:t>
     </dgm:pt>
     <dgm:pt modelId="{EA30EF5F-7290-E74C-8F49-398B77816B95}">
-      <dgm:prSet/>
+      <dgm:prSet custT="1"/>
       <dgm:spPr/>
       <dgm:t>
         <a:bodyPr/>
@@ -5510,26 +5510,26 @@
             </a:lnSpc>
           </a:pPr>
           <a:r>
-            <a:rPr lang="en-GB" dirty="0" err="1"/>
+            <a:rPr lang="en-GB" sz="1600" dirty="0" err="1"/>
             <a:t>Categorias</a:t>
           </a:r>
           <a:r>
-            <a:rPr lang="en-GB" dirty="0"/>
+            <a:rPr lang="en-GB" sz="1600" dirty="0"/>
             <a:t> e </a:t>
           </a:r>
           <a:r>
-            <a:rPr lang="en-GB" dirty="0" err="1"/>
+            <a:rPr lang="en-GB" sz="1600" dirty="0" err="1"/>
             <a:t>especializações</a:t>
           </a:r>
           <a:r>
-            <a:rPr lang="en-GB" dirty="0"/>
+            <a:rPr lang="en-GB" sz="1600" dirty="0"/>
             <a:t> </a:t>
           </a:r>
           <a:r>
-            <a:rPr lang="en-GB" dirty="0" err="1"/>
+            <a:rPr lang="en-GB" sz="1600" dirty="0" err="1"/>
             <a:t>dinâmicas</a:t>
           </a:r>
-          <a:endParaRPr lang="en-GB" dirty="0"/>
+          <a:endParaRPr lang="en-GB" sz="1600" dirty="0"/>
         </a:p>
       </dgm:t>
     </dgm:pt>
@@ -5561,7 +5561,7 @@
       </dgm:t>
     </dgm:pt>
     <dgm:pt modelId="{409BC5A9-890C-6C47-A092-5669EF0AC06F}">
-      <dgm:prSet/>
+      <dgm:prSet custT="1"/>
       <dgm:spPr/>
       <dgm:t>
         <a:bodyPr/>
@@ -5573,11 +5573,11 @@
             </a:lnSpc>
           </a:pPr>
           <a:r>
-            <a:rPr lang="en-GB" dirty="0" err="1"/>
+            <a:rPr lang="en-GB" sz="1600" dirty="0" err="1"/>
             <a:t>Poupança</a:t>
           </a:r>
           <a:r>
-            <a:rPr lang="en-GB" dirty="0"/>
+            <a:rPr lang="en-GB" sz="1600" dirty="0"/>
             <a:t> temporal</a:t>
           </a:r>
         </a:p>
@@ -7504,10 +7504,10 @@
             <a:buNone/>
           </a:pPr>
           <a:r>
-            <a:rPr lang="pt-PT" sz="1600" kern="1200"/>
+            <a:rPr lang="pt-PT" sz="1600" kern="1200" dirty="0"/>
             <a:t>Plataforma web/móvel </a:t>
           </a:r>
-          <a:endParaRPr lang="en-US" sz="1600" kern="1200"/>
+          <a:endParaRPr lang="en-US" sz="1600" kern="1200" dirty="0"/>
         </a:p>
       </dsp:txBody>
       <dsp:txXfrm>
@@ -7649,10 +7649,10 @@
             <a:buNone/>
           </a:pPr>
           <a:r>
-            <a:rPr lang="pt-PT" sz="1600" kern="1200"/>
+            <a:rPr lang="pt-PT" sz="1600" kern="1200" dirty="0"/>
             <a:t>Divulgação e procura de serviços</a:t>
           </a:r>
-          <a:endParaRPr lang="en-US" sz="1600" kern="1200"/>
+          <a:endParaRPr lang="en-US" sz="1600" kern="1200" dirty="0"/>
         </a:p>
       </dsp:txBody>
       <dsp:txXfrm>
@@ -7943,18 +7943,18 @@
             <a:buNone/>
           </a:pPr>
           <a:r>
-            <a:rPr lang="en-US" sz="1600" kern="1200" err="1"/>
+            <a:rPr lang="en-US" sz="1600" kern="1200" dirty="0" err="1"/>
             <a:t>Utilização</a:t>
           </a:r>
           <a:r>
-            <a:rPr lang="en-US" sz="1600" kern="1200"/>
+            <a:rPr lang="en-US" sz="1600" kern="1200" dirty="0"/>
             <a:t> </a:t>
           </a:r>
           <a:r>
-            <a:rPr lang="en-US" sz="1600" kern="1200" err="1"/>
+            <a:rPr lang="en-US" sz="1600" kern="1200" dirty="0" err="1"/>
             <a:t>gratuita</a:t>
           </a:r>
-          <a:endParaRPr lang="en-US" sz="1600" kern="1200"/>
+          <a:endParaRPr lang="en-US" sz="1600" kern="1200" dirty="0"/>
         </a:p>
       </dsp:txBody>
       <dsp:txXfrm>
@@ -8094,7 +8094,7 @@
         </a:bodyPr>
         <a:lstStyle/>
         <a:p>
-          <a:pPr marL="0" lvl="0" indent="0" algn="l" defTabSz="622300">
+          <a:pPr marL="0" lvl="0" indent="0" algn="l" defTabSz="711200">
             <a:lnSpc>
               <a:spcPct val="100000"/>
             </a:lnSpc>
@@ -8107,26 +8107,26 @@
             <a:buNone/>
           </a:pPr>
           <a:r>
-            <a:rPr lang="en-GB" sz="1400" kern="1200" dirty="0" err="1"/>
+            <a:rPr lang="en-GB" sz="1600" kern="1200" dirty="0" err="1"/>
             <a:t>Categorias</a:t>
           </a:r>
           <a:r>
-            <a:rPr lang="en-GB" sz="1400" kern="1200" dirty="0"/>
+            <a:rPr lang="en-GB" sz="1600" kern="1200" dirty="0"/>
             <a:t> e </a:t>
           </a:r>
           <a:r>
-            <a:rPr lang="en-GB" sz="1400" kern="1200" dirty="0" err="1"/>
+            <a:rPr lang="en-GB" sz="1600" kern="1200" dirty="0" err="1"/>
             <a:t>especializações</a:t>
           </a:r>
           <a:r>
-            <a:rPr lang="en-GB" sz="1400" kern="1200" dirty="0"/>
+            <a:rPr lang="en-GB" sz="1600" kern="1200" dirty="0"/>
             <a:t> </a:t>
           </a:r>
           <a:r>
-            <a:rPr lang="en-GB" sz="1400" kern="1200" dirty="0" err="1"/>
+            <a:rPr lang="en-GB" sz="1600" kern="1200" dirty="0" err="1"/>
             <a:t>dinâmicas</a:t>
           </a:r>
-          <a:endParaRPr lang="en-GB" sz="1400" kern="1200" dirty="0"/>
+          <a:endParaRPr lang="en-GB" sz="1600" kern="1200" dirty="0"/>
         </a:p>
       </dsp:txBody>
       <dsp:txXfrm>
@@ -8261,7 +8261,7 @@
         </a:bodyPr>
         <a:lstStyle/>
         <a:p>
-          <a:pPr marL="0" lvl="0" indent="0" algn="l" defTabSz="622300">
+          <a:pPr marL="0" lvl="0" indent="0" algn="l" defTabSz="711200">
             <a:lnSpc>
               <a:spcPct val="100000"/>
             </a:lnSpc>
@@ -8274,11 +8274,11 @@
             <a:buNone/>
           </a:pPr>
           <a:r>
-            <a:rPr lang="en-GB" sz="1400" kern="1200" dirty="0" err="1"/>
+            <a:rPr lang="en-GB" sz="1600" kern="1200" dirty="0" err="1"/>
             <a:t>Poupança</a:t>
           </a:r>
           <a:r>
-            <a:rPr lang="en-GB" sz="1400" kern="1200" dirty="0"/>
+            <a:rPr lang="en-GB" sz="1600" kern="1200" dirty="0"/>
             <a:t> temporal</a:t>
           </a:r>
         </a:p>
@@ -13840,7 +13840,7 @@
           <a:p>
             <a:fld id="{A1A6F8F4-C37B-9A4B-8B9C-2B2C7F2F35DB}" type="datetimeFigureOut">
               <a:rPr lang="en-PT" smtClean="0"/>
-              <a:t>08/12/2020</a:t>
+              <a:t>09/12/2020</a:t>
             </a:fld>
             <a:endParaRPr lang="en-PT"/>
           </a:p>
@@ -14257,7 +14257,7 @@
           <a:p>
             <a:fld id="{54ED1C5B-6050-5641-904D-C7E67CADAEC8}" type="datetime1">
               <a:rPr lang="en-US" smtClean="0"/>
-              <a:t>12/8/20</a:t>
+              <a:t>12/9/20</a:t>
             </a:fld>
             <a:endParaRPr lang="en-PT"/>
           </a:p>
@@ -14457,7 +14457,7 @@
           <a:p>
             <a:fld id="{401900A3-E586-B140-90F6-5018DA112A88}" type="datetime1">
               <a:rPr lang="en-US" smtClean="0"/>
-              <a:t>12/8/20</a:t>
+              <a:t>12/9/20</a:t>
             </a:fld>
             <a:endParaRPr lang="en-PT"/>
           </a:p>
@@ -14667,7 +14667,7 @@
           <a:p>
             <a:fld id="{7F040A0C-BB7A-6A45-A68E-996C3590129D}" type="datetime1">
               <a:rPr lang="en-US" smtClean="0"/>
-              <a:t>12/8/20</a:t>
+              <a:t>12/9/20</a:t>
             </a:fld>
             <a:endParaRPr lang="en-PT"/>
           </a:p>
@@ -14867,7 +14867,7 @@
           <a:p>
             <a:fld id="{4F8A236F-2638-DC47-ABE9-0B60AAB5C017}" type="datetime1">
               <a:rPr lang="en-US" smtClean="0"/>
-              <a:t>12/8/20</a:t>
+              <a:t>12/9/20</a:t>
             </a:fld>
             <a:endParaRPr lang="en-PT"/>
           </a:p>
@@ -15143,7 +15143,7 @@
           <a:p>
             <a:fld id="{A4CD38D4-5717-994D-A897-8F91E79D86D5}" type="datetime1">
               <a:rPr lang="en-US" smtClean="0"/>
-              <a:t>12/8/20</a:t>
+              <a:t>12/9/20</a:t>
             </a:fld>
             <a:endParaRPr lang="en-PT"/>
           </a:p>
@@ -15411,7 +15411,7 @@
           <a:p>
             <a:fld id="{E21C127B-F475-DB4A-B154-77DCAA0381F0}" type="datetime1">
               <a:rPr lang="en-US" smtClean="0"/>
-              <a:t>12/8/20</a:t>
+              <a:t>12/9/20</a:t>
             </a:fld>
             <a:endParaRPr lang="en-PT"/>
           </a:p>
@@ -15826,7 +15826,7 @@
           <a:p>
             <a:fld id="{6DB849C1-849D-0945-93B4-8E811AE01325}" type="datetime1">
               <a:rPr lang="en-US" smtClean="0"/>
-              <a:t>12/8/20</a:t>
+              <a:t>12/9/20</a:t>
             </a:fld>
             <a:endParaRPr lang="en-PT"/>
           </a:p>
@@ -15968,7 +15968,7 @@
           <a:p>
             <a:fld id="{9BE6C028-CDFC-E24C-8389-B258C8CA4E5B}" type="datetime1">
               <a:rPr lang="en-US" smtClean="0"/>
-              <a:t>12/8/20</a:t>
+              <a:t>12/9/20</a:t>
             </a:fld>
             <a:endParaRPr lang="en-PT"/>
           </a:p>
@@ -16081,7 +16081,7 @@
           <a:p>
             <a:fld id="{188C607C-71C9-A341-8EBF-255FC1277F05}" type="datetime1">
               <a:rPr lang="en-US" smtClean="0"/>
-              <a:t>12/8/20</a:t>
+              <a:t>12/9/20</a:t>
             </a:fld>
             <a:endParaRPr lang="en-PT"/>
           </a:p>
@@ -16394,7 +16394,7 @@
           <a:p>
             <a:fld id="{CA7B12CA-9828-1048-BBCD-45A1A1691FE0}" type="datetime1">
               <a:rPr lang="en-US" smtClean="0"/>
-              <a:t>12/8/20</a:t>
+              <a:t>12/9/20</a:t>
             </a:fld>
             <a:endParaRPr lang="en-PT"/>
           </a:p>
@@ -16683,7 +16683,7 @@
           <a:p>
             <a:fld id="{0081368E-A49D-F240-8950-ED218B53EF4F}" type="datetime1">
               <a:rPr lang="en-US" smtClean="0"/>
-              <a:t>12/8/20</a:t>
+              <a:t>12/9/20</a:t>
             </a:fld>
             <a:endParaRPr lang="en-PT"/>
           </a:p>
@@ -16926,7 +16926,7 @@
           <a:p>
             <a:fld id="{9E393902-2DBC-DA47-9230-585A755348B7}" type="datetime1">
               <a:rPr lang="en-US" smtClean="0"/>
-              <a:t>12/8/20</a:t>
+              <a:t>12/9/20</a:t>
             </a:fld>
             <a:endParaRPr lang="en-PT"/>
           </a:p>
@@ -19041,7 +19041,7 @@
           <p:nvPr>
             <p:extLst>
               <p:ext uri="{D42A27DB-BD31-4B8C-83A1-F6EECF244321}">
-                <p14:modId xmlns:p14="http://schemas.microsoft.com/office/powerpoint/2010/main" val="2939689421"/>
+                <p14:modId xmlns:p14="http://schemas.microsoft.com/office/powerpoint/2010/main" val="2286376845"/>
               </p:ext>
             </p:extLst>
           </p:nvPr>
@@ -19108,7 +19108,7 @@
                     <a:p>
                       <a:pPr algn="ctr"/>
                       <a:r>
-                        <a:rPr lang="en-PT" sz="1500" dirty="0">
+                        <a:rPr lang="en-PT" sz="1400" b="1" dirty="0">
                           <a:ln>
                             <a:noFill/>
                           </a:ln>
@@ -19120,7 +19120,7 @@
                       </a:r>
                     </a:p>
                   </a:txBody>
-                  <a:tcPr marL="76181" marR="76181" marT="38091" marB="38091">
+                  <a:tcPr marL="76181" marR="76181" marT="38091" marB="38091" anchor="ctr">
                     <a:solidFill>
                       <a:srgbClr val="FF3873"/>
                     </a:solidFill>
@@ -19133,7 +19133,7 @@
                     <a:p>
                       <a:pPr algn="ctr"/>
                       <a:r>
-                        <a:rPr lang="en-PT" sz="1500" dirty="0">
+                        <a:rPr lang="en-PT" sz="1400" b="1" dirty="0">
                           <a:ln>
                             <a:noFill/>
                           </a:ln>
@@ -19145,7 +19145,7 @@
                       </a:r>
                     </a:p>
                   </a:txBody>
-                  <a:tcPr marL="76181" marR="76181" marT="38091" marB="38091">
+                  <a:tcPr marL="76181" marR="76181" marT="38091" marB="38091" anchor="ctr">
                     <a:solidFill>
                       <a:srgbClr val="FF3873"/>
                     </a:solidFill>
@@ -19158,7 +19158,7 @@
                     <a:p>
                       <a:pPr algn="ctr"/>
                       <a:r>
-                        <a:rPr lang="en-PT" sz="1500" dirty="0">
+                        <a:rPr lang="en-PT" sz="1400" b="1" dirty="0">
                           <a:ln>
                             <a:noFill/>
                           </a:ln>
@@ -19170,7 +19170,7 @@
                       </a:r>
                     </a:p>
                   </a:txBody>
-                  <a:tcPr marL="76181" marR="76181" marT="38091" marB="38091">
+                  <a:tcPr marL="76181" marR="76181" marT="38091" marB="38091" anchor="ctr">
                     <a:solidFill>
                       <a:srgbClr val="FF3873"/>
                     </a:solidFill>
@@ -19183,7 +19183,7 @@
                     <a:p>
                       <a:pPr algn="ctr"/>
                       <a:r>
-                        <a:rPr lang="en-PT" sz="1500" dirty="0">
+                        <a:rPr lang="en-PT" sz="1400" b="1" dirty="0">
                           <a:ln>
                             <a:noFill/>
                           </a:ln>
@@ -19195,7 +19195,7 @@
                       </a:r>
                     </a:p>
                   </a:txBody>
-                  <a:tcPr marL="76181" marR="76181" marT="38091" marB="38091">
+                  <a:tcPr marL="76181" marR="76181" marT="38091" marB="38091" anchor="ctr">
                     <a:solidFill>
                       <a:srgbClr val="FF3873"/>
                     </a:solidFill>
@@ -19208,7 +19208,7 @@
                     <a:p>
                       <a:pPr algn="ctr"/>
                       <a:r>
-                        <a:rPr lang="en-PT" sz="1500" dirty="0">
+                        <a:rPr lang="en-PT" sz="1400" b="1" dirty="0">
                           <a:ln>
                             <a:noFill/>
                           </a:ln>
@@ -19220,7 +19220,7 @@
                       </a:r>
                     </a:p>
                   </a:txBody>
-                  <a:tcPr marL="76181" marR="76181" marT="38091" marB="38091">
+                  <a:tcPr marL="76181" marR="76181" marT="38091" marB="38091" anchor="ctr">
                     <a:solidFill>
                       <a:srgbClr val="FF3873"/>
                     </a:solidFill>
@@ -19233,7 +19233,7 @@
                     <a:p>
                       <a:pPr algn="ctr"/>
                       <a:r>
-                        <a:rPr lang="en-PT" sz="1500" dirty="0">
+                        <a:rPr lang="en-PT" sz="1400" b="1" dirty="0">
                           <a:ln>
                             <a:noFill/>
                           </a:ln>
@@ -19245,7 +19245,7 @@
                       </a:r>
                     </a:p>
                   </a:txBody>
-                  <a:tcPr marL="76181" marR="76181" marT="38091" marB="38091">
+                  <a:tcPr marL="76181" marR="76181" marT="38091" marB="38091" anchor="ctr">
                     <a:solidFill>
                       <a:srgbClr val="FF3873"/>
                     </a:solidFill>
@@ -19277,7 +19277,7 @@
                       </a:r>
                     </a:p>
                   </a:txBody>
-                  <a:tcPr marL="76181" marR="76181" marT="38091" marB="38091">
+                  <a:tcPr marL="76181" marR="76181" marT="38091" marB="38091" anchor="ctr">
                     <a:solidFill>
                       <a:srgbClr val="FF3873">
                         <a:alpha val="30000"/>
@@ -19304,7 +19304,7 @@
                       </a:r>
                     </a:p>
                   </a:txBody>
-                  <a:tcPr marL="76181" marR="76181" marT="38091" marB="38091">
+                  <a:tcPr marL="76181" marR="76181" marT="38091" marB="38091" anchor="ctr">
                     <a:solidFill>
                       <a:srgbClr val="FF3873">
                         <a:alpha val="30000"/>
@@ -19331,7 +19331,7 @@
                       </a:r>
                     </a:p>
                   </a:txBody>
-                  <a:tcPr marL="76181" marR="76181" marT="38091" marB="38091">
+                  <a:tcPr marL="76181" marR="76181" marT="38091" marB="38091" anchor="ctr">
                     <a:solidFill>
                       <a:srgbClr val="FF3873">
                         <a:alpha val="30000"/>
@@ -19358,7 +19358,7 @@
                       </a:r>
                     </a:p>
                   </a:txBody>
-                  <a:tcPr marL="76181" marR="76181" marT="38091" marB="38091">
+                  <a:tcPr marL="76181" marR="76181" marT="38091" marB="38091" anchor="ctr">
                     <a:solidFill>
                       <a:srgbClr val="FF3873">
                         <a:alpha val="30000"/>
@@ -19385,7 +19385,7 @@
                       </a:r>
                     </a:p>
                   </a:txBody>
-                  <a:tcPr marL="76181" marR="76181" marT="38091" marB="38091">
+                  <a:tcPr marL="76181" marR="76181" marT="38091" marB="38091" anchor="ctr">
                     <a:solidFill>
                       <a:srgbClr val="FF3873">
                         <a:alpha val="30000"/>
@@ -19412,7 +19412,7 @@
                       </a:r>
                     </a:p>
                   </a:txBody>
-                  <a:tcPr marL="76181" marR="76181" marT="38091" marB="38091">
+                  <a:tcPr marL="76181" marR="76181" marT="38091" marB="38091" anchor="ctr">
                     <a:solidFill>
                       <a:srgbClr val="FF3873">
                         <a:alpha val="30000"/>
@@ -19446,7 +19446,7 @@
                       </a:r>
                     </a:p>
                   </a:txBody>
-                  <a:tcPr marL="76181" marR="76181" marT="38091" marB="38091">
+                  <a:tcPr marL="76181" marR="76181" marT="38091" marB="38091" anchor="ctr">
                     <a:solidFill>
                       <a:srgbClr val="FF3873">
                         <a:alpha val="10000"/>
@@ -19473,7 +19473,7 @@
                       </a:r>
                     </a:p>
                   </a:txBody>
-                  <a:tcPr marL="76181" marR="76181" marT="38091" marB="38091">
+                  <a:tcPr marL="76181" marR="76181" marT="38091" marB="38091" anchor="ctr">
                     <a:solidFill>
                       <a:srgbClr val="FF3873">
                         <a:alpha val="10000"/>
@@ -19500,7 +19500,7 @@
                       </a:r>
                     </a:p>
                   </a:txBody>
-                  <a:tcPr marL="76181" marR="76181" marT="38091" marB="38091">
+                  <a:tcPr marL="76181" marR="76181" marT="38091" marB="38091" anchor="ctr">
                     <a:solidFill>
                       <a:srgbClr val="FF3873">
                         <a:alpha val="10000"/>
@@ -19543,7 +19543,7 @@
                       </a:r>
                     </a:p>
                   </a:txBody>
-                  <a:tcPr marL="76181" marR="76181" marT="38091" marB="38091">
+                  <a:tcPr marL="76181" marR="76181" marT="38091" marB="38091" anchor="ctr">
                     <a:solidFill>
                       <a:srgbClr val="FF3873">
                         <a:alpha val="10000"/>
@@ -19570,7 +19570,7 @@
                       </a:r>
                     </a:p>
                   </a:txBody>
-                  <a:tcPr marL="76181" marR="76181" marT="38091" marB="38091">
+                  <a:tcPr marL="76181" marR="76181" marT="38091" marB="38091" anchor="ctr">
                     <a:solidFill>
                       <a:srgbClr val="FF3873">
                         <a:alpha val="10000"/>
@@ -19597,7 +19597,7 @@
                       </a:r>
                     </a:p>
                   </a:txBody>
-                  <a:tcPr marL="76181" marR="76181" marT="38091" marB="38091">
+                  <a:tcPr marL="76181" marR="76181" marT="38091" marB="38091" anchor="ctr">
                     <a:solidFill>
                       <a:srgbClr val="FF3873">
                         <a:alpha val="10000"/>
@@ -19631,7 +19631,7 @@
                       </a:r>
                     </a:p>
                   </a:txBody>
-                  <a:tcPr marL="76181" marR="76181" marT="38091" marB="38091">
+                  <a:tcPr marL="76181" marR="76181" marT="38091" marB="38091" anchor="ctr">
                     <a:solidFill>
                       <a:srgbClr val="FF3873">
                         <a:alpha val="40000"/>
@@ -19658,7 +19658,7 @@
                       </a:r>
                     </a:p>
                   </a:txBody>
-                  <a:tcPr marL="76181" marR="76181" marT="38091" marB="38091">
+                  <a:tcPr marL="76181" marR="76181" marT="38091" marB="38091" anchor="ctr">
                     <a:solidFill>
                       <a:srgbClr val="FF3873">
                         <a:alpha val="40000"/>
@@ -19685,7 +19685,7 @@
                       </a:r>
                     </a:p>
                   </a:txBody>
-                  <a:tcPr marL="76181" marR="76181" marT="38091" marB="38091">
+                  <a:tcPr marL="76181" marR="76181" marT="38091" marB="38091" anchor="ctr">
                     <a:solidFill>
                       <a:srgbClr val="FF3873">
                         <a:alpha val="40000"/>
@@ -19728,7 +19728,7 @@
                       </a:r>
                     </a:p>
                   </a:txBody>
-                  <a:tcPr marL="76181" marR="76181" marT="38091" marB="38091">
+                  <a:tcPr marL="76181" marR="76181" marT="38091" marB="38091" anchor="ctr">
                     <a:solidFill>
                       <a:srgbClr val="FF3873">
                         <a:alpha val="40000"/>
@@ -19755,7 +19755,7 @@
                       </a:r>
                     </a:p>
                   </a:txBody>
-                  <a:tcPr marL="76181" marR="76181" marT="38091" marB="38091">
+                  <a:tcPr marL="76181" marR="76181" marT="38091" marB="38091" anchor="ctr">
                     <a:solidFill>
                       <a:srgbClr val="FF3873">
                         <a:alpha val="40000"/>
@@ -19782,7 +19782,7 @@
                       </a:r>
                     </a:p>
                   </a:txBody>
-                  <a:tcPr marL="76181" marR="76181" marT="38091" marB="38091">
+                  <a:tcPr marL="76181" marR="76181" marT="38091" marB="38091" anchor="ctr">
                     <a:solidFill>
                       <a:srgbClr val="FF3873">
                         <a:alpha val="40000"/>
@@ -19816,7 +19816,7 @@
                       </a:r>
                     </a:p>
                   </a:txBody>
-                  <a:tcPr marL="76181" marR="76181" marT="38091" marB="38091">
+                  <a:tcPr marL="76181" marR="76181" marT="38091" marB="38091" anchor="ctr">
                     <a:solidFill>
                       <a:srgbClr val="FF3873">
                         <a:alpha val="10000"/>
@@ -19843,7 +19843,7 @@
                       </a:r>
                     </a:p>
                   </a:txBody>
-                  <a:tcPr marL="76181" marR="76181" marT="38091" marB="38091">
+                  <a:tcPr marL="76181" marR="76181" marT="38091" marB="38091" anchor="ctr">
                     <a:solidFill>
                       <a:srgbClr val="FF3873">
                         <a:alpha val="10000"/>
@@ -19870,7 +19870,7 @@
                       </a:r>
                     </a:p>
                   </a:txBody>
-                  <a:tcPr marL="76181" marR="76181" marT="38091" marB="38091">
+                  <a:tcPr marL="76181" marR="76181" marT="38091" marB="38091" anchor="ctr">
                     <a:solidFill>
                       <a:srgbClr val="FF3873">
                         <a:alpha val="10000"/>
@@ -19897,7 +19897,7 @@
                       </a:r>
                     </a:p>
                   </a:txBody>
-                  <a:tcPr marL="76181" marR="76181" marT="38091" marB="38091">
+                  <a:tcPr marL="76181" marR="76181" marT="38091" marB="38091" anchor="ctr">
                     <a:solidFill>
                       <a:srgbClr val="FF3873">
                         <a:alpha val="10000"/>
@@ -19924,7 +19924,7 @@
                       </a:r>
                     </a:p>
                   </a:txBody>
-                  <a:tcPr marL="76181" marR="76181" marT="38091" marB="38091">
+                  <a:tcPr marL="76181" marR="76181" marT="38091" marB="38091" anchor="ctr">
                     <a:solidFill>
                       <a:srgbClr val="FF3873">
                         <a:alpha val="10000"/>
@@ -19951,7 +19951,7 @@
                       </a:r>
                     </a:p>
                   </a:txBody>
-                  <a:tcPr marL="76181" marR="76181" marT="38091" marB="38091">
+                  <a:tcPr marL="76181" marR="76181" marT="38091" marB="38091" anchor="ctr">
                     <a:solidFill>
                       <a:srgbClr val="FF3873">
                         <a:alpha val="10000"/>
@@ -19985,7 +19985,7 @@
                       </a:r>
                     </a:p>
                   </a:txBody>
-                  <a:tcPr marL="76181" marR="76181" marT="38091" marB="38091">
+                  <a:tcPr marL="76181" marR="76181" marT="38091" marB="38091" anchor="ctr">
                     <a:solidFill>
                       <a:srgbClr val="FF3873">
                         <a:alpha val="40000"/>
@@ -20012,7 +20012,7 @@
                       </a:r>
                     </a:p>
                   </a:txBody>
-                  <a:tcPr marL="76181" marR="76181" marT="38091" marB="38091">
+                  <a:tcPr marL="76181" marR="76181" marT="38091" marB="38091" anchor="ctr">
                     <a:solidFill>
                       <a:srgbClr val="FF3873">
                         <a:alpha val="40000"/>
@@ -20039,7 +20039,7 @@
                       </a:r>
                     </a:p>
                   </a:txBody>
-                  <a:tcPr marL="76181" marR="76181" marT="38091" marB="38091">
+                  <a:tcPr marL="76181" marR="76181" marT="38091" marB="38091" anchor="ctr">
                     <a:solidFill>
                       <a:srgbClr val="FF3873">
                         <a:alpha val="40000"/>
@@ -20066,7 +20066,7 @@
                       </a:r>
                     </a:p>
                   </a:txBody>
-                  <a:tcPr marL="76181" marR="76181" marT="38091" marB="38091">
+                  <a:tcPr marL="76181" marR="76181" marT="38091" marB="38091" anchor="ctr">
                     <a:solidFill>
                       <a:srgbClr val="FF3873">
                         <a:alpha val="40000"/>
@@ -20093,7 +20093,7 @@
                       </a:r>
                     </a:p>
                   </a:txBody>
-                  <a:tcPr marL="76181" marR="76181" marT="38091" marB="38091">
+                  <a:tcPr marL="76181" marR="76181" marT="38091" marB="38091" anchor="ctr">
                     <a:solidFill>
                       <a:srgbClr val="FF3873">
                         <a:alpha val="40000"/>
@@ -20120,7 +20120,7 @@
                       </a:r>
                     </a:p>
                   </a:txBody>
-                  <a:tcPr marL="76181" marR="76181" marT="38091" marB="38091">
+                  <a:tcPr marL="76181" marR="76181" marT="38091" marB="38091" anchor="ctr">
                     <a:solidFill>
                       <a:srgbClr val="FF3873">
                         <a:alpha val="40000"/>
@@ -20227,7 +20227,7 @@
             <p:ph idx="1"/>
             <p:extLst>
               <p:ext uri="{D42A27DB-BD31-4B8C-83A1-F6EECF244321}">
-                <p14:modId xmlns:p14="http://schemas.microsoft.com/office/powerpoint/2010/main" val="2858626923"/>
+                <p14:modId xmlns:p14="http://schemas.microsoft.com/office/powerpoint/2010/main" val="3055271981"/>
               </p:ext>
             </p:extLst>
           </p:nvPr>
